--- a/src/web/app/src/assets/GeneralGuide.pptx
+++ b/src/web/app/src/assets/GeneralGuide.pptx
@@ -104,6 +104,11 @@
       </a:defRPr>
     </a:lvl9pPr>
   </p:defaultTextStyle>
+  <p:extLst>
+    <p:ext uri="{EFAFB233-063F-42B5-8137-9DF3F51BA10A}">
+      <p15:sldGuideLst xmlns:p15="http://schemas.microsoft.com/office/powerpoint/2012/main"/>
+    </p:ext>
+  </p:extLst>
 </p:presentation>
 </file>
 
@@ -3323,10 +3328,10 @@
       </p:grpSpPr>
       <p:pic>
         <p:nvPicPr>
-          <p:cNvPr id="8" name="Picture 7">
-            <a:extLst>
-              <a:ext uri="{FF2B5EF4-FFF2-40B4-BE49-F238E27FC236}">
-                <a16:creationId xmlns:a16="http://schemas.microsoft.com/office/drawing/2014/main" id="{BEBABC5D-1E94-7448-A49A-6F2C13C2778C}"/>
+          <p:cNvPr id="2" name="Picture 1">
+            <a:extLst>
+              <a:ext uri="{FF2B5EF4-FFF2-40B4-BE49-F238E27FC236}">
+                <a16:creationId xmlns:a16="http://schemas.microsoft.com/office/drawing/2014/main" id="{1329A819-E5C8-164D-B19B-262137B41F59}"/>
               </a:ext>
             </a:extLst>
           </p:cNvPr>
@@ -3343,8 +3348,8 @@
         </p:blipFill>
         <p:spPr>
           <a:xfrm>
-            <a:off x="8229599" y="425450"/>
-            <a:ext cx="3454400" cy="1879600"/>
+            <a:off x="334479" y="869950"/>
+            <a:ext cx="2895600" cy="4064000"/>
           </a:xfrm>
           <a:prstGeom prst="rect">
             <a:avLst/>
@@ -3353,10 +3358,10 @@
       </p:pic>
       <p:pic>
         <p:nvPicPr>
-          <p:cNvPr id="10" name="Picture 9">
-            <a:extLst>
-              <a:ext uri="{FF2B5EF4-FFF2-40B4-BE49-F238E27FC236}">
-                <a16:creationId xmlns:a16="http://schemas.microsoft.com/office/drawing/2014/main" id="{C70422E5-D7E5-6F4C-9F4C-DD9571C05A15}"/>
+          <p:cNvPr id="14" name="Picture 13">
+            <a:extLst>
+              <a:ext uri="{FF2B5EF4-FFF2-40B4-BE49-F238E27FC236}">
+                <a16:creationId xmlns:a16="http://schemas.microsoft.com/office/drawing/2014/main" id="{87AC675A-77C4-DC4A-A567-7F69E5354C48}"/>
               </a:ext>
             </a:extLst>
           </p:cNvPr>
@@ -3373,20 +3378,185 @@
         </p:blipFill>
         <p:spPr>
           <a:xfrm>
-            <a:off x="3627966" y="0"/>
-            <a:ext cx="4838700" cy="2730500"/>
+            <a:off x="3155949" y="2667775"/>
+            <a:ext cx="5588000" cy="3416300"/>
           </a:xfrm>
           <a:prstGeom prst="rect">
             <a:avLst/>
           </a:prstGeom>
         </p:spPr>
       </p:pic>
+      <p:sp>
+        <p:nvSpPr>
+          <p:cNvPr id="17" name="TextBox 16">
+            <a:extLst>
+              <a:ext uri="{FF2B5EF4-FFF2-40B4-BE49-F238E27FC236}">
+                <a16:creationId xmlns:a16="http://schemas.microsoft.com/office/drawing/2014/main" id="{EC1C0C7E-D95D-684F-B50A-741042F696DE}"/>
+              </a:ext>
+            </a:extLst>
+          </p:cNvPr>
+          <p:cNvSpPr txBox="1"/>
+          <p:nvPr/>
+        </p:nvSpPr>
+        <p:spPr>
+          <a:xfrm>
+            <a:off x="296284" y="4933950"/>
+            <a:ext cx="2807759" cy="461665"/>
+          </a:xfrm>
+          <a:prstGeom prst="rect">
+            <a:avLst/>
+          </a:prstGeom>
+          <a:noFill/>
+        </p:spPr>
+        <p:txBody>
+          <a:bodyPr wrap="square" rtlCol="0">
+            <a:spAutoFit/>
+          </a:bodyPr>
+          <a:lstStyle/>
+          <a:p>
+            <a:pPr algn="ctr"/>
+            <a:r>
+              <a:rPr lang="en-US" sz="2400" u="sng" dirty="0">
+                <a:solidFill>
+                  <a:srgbClr val="FF0000"/>
+                </a:solidFill>
+              </a:rPr>
+              <a:t>Google Log-in Page</a:t>
+            </a:r>
+          </a:p>
+        </p:txBody>
+      </p:sp>
+      <p:sp>
+        <p:nvSpPr>
+          <p:cNvPr id="18" name="TextBox 17">
+            <a:extLst>
+              <a:ext uri="{FF2B5EF4-FFF2-40B4-BE49-F238E27FC236}">
+                <a16:creationId xmlns:a16="http://schemas.microsoft.com/office/drawing/2014/main" id="{00038A09-1FD1-2943-A69E-6DBF73814C7A}"/>
+              </a:ext>
+            </a:extLst>
+          </p:cNvPr>
+          <p:cNvSpPr txBox="1"/>
+          <p:nvPr/>
+        </p:nvSpPr>
+        <p:spPr>
+          <a:xfrm>
+            <a:off x="9503444" y="3860780"/>
+            <a:ext cx="1782670" cy="461665"/>
+          </a:xfrm>
+          <a:prstGeom prst="rect">
+            <a:avLst/>
+          </a:prstGeom>
+          <a:noFill/>
+        </p:spPr>
+        <p:txBody>
+          <a:bodyPr wrap="square" rtlCol="0">
+            <a:spAutoFit/>
+          </a:bodyPr>
+          <a:lstStyle/>
+          <a:p>
+            <a:pPr algn="ctr"/>
+            <a:r>
+              <a:rPr lang="en-US" sz="2400" u="sng" dirty="0">
+                <a:solidFill>
+                  <a:srgbClr val="FF0000"/>
+                </a:solidFill>
+              </a:rPr>
+              <a:t>Upload Data</a:t>
+            </a:r>
+          </a:p>
+        </p:txBody>
+      </p:sp>
+      <p:sp>
+        <p:nvSpPr>
+          <p:cNvPr id="19" name="TextBox 18">
+            <a:extLst>
+              <a:ext uri="{FF2B5EF4-FFF2-40B4-BE49-F238E27FC236}">
+                <a16:creationId xmlns:a16="http://schemas.microsoft.com/office/drawing/2014/main" id="{0EBCBC9B-71D4-FB4A-8F75-A03FCF15789F}"/>
+              </a:ext>
+            </a:extLst>
+          </p:cNvPr>
+          <p:cNvSpPr txBox="1"/>
+          <p:nvPr/>
+        </p:nvSpPr>
+        <p:spPr>
+          <a:xfrm>
+            <a:off x="4219595" y="1896720"/>
+            <a:ext cx="3384503" cy="461665"/>
+          </a:xfrm>
+          <a:prstGeom prst="rect">
+            <a:avLst/>
+          </a:prstGeom>
+          <a:noFill/>
+        </p:spPr>
+        <p:txBody>
+          <a:bodyPr wrap="square" rtlCol="0">
+            <a:spAutoFit/>
+          </a:bodyPr>
+          <a:lstStyle/>
+          <a:p>
+            <a:pPr algn="ctr"/>
+            <a:r>
+              <a:rPr lang="en-US" sz="2400" u="sng" dirty="0">
+                <a:solidFill>
+                  <a:srgbClr val="FF0000"/>
+                </a:solidFill>
+              </a:rPr>
+              <a:t>Share and Download</a:t>
+            </a:r>
+          </a:p>
+        </p:txBody>
+      </p:sp>
+      <p:sp>
+        <p:nvSpPr>
+          <p:cNvPr id="20" name="TextBox 19">
+            <a:extLst>
+              <a:ext uri="{FF2B5EF4-FFF2-40B4-BE49-F238E27FC236}">
+                <a16:creationId xmlns:a16="http://schemas.microsoft.com/office/drawing/2014/main" id="{9BB018BF-8951-9840-B84E-9D3B642F4BDC}"/>
+              </a:ext>
+            </a:extLst>
+          </p:cNvPr>
+          <p:cNvSpPr txBox="1"/>
+          <p:nvPr/>
+        </p:nvSpPr>
+        <p:spPr>
+          <a:xfrm>
+            <a:off x="4879972" y="6169685"/>
+            <a:ext cx="2139951" cy="461665"/>
+          </a:xfrm>
+          <a:prstGeom prst="rect">
+            <a:avLst/>
+          </a:prstGeom>
+          <a:noFill/>
+        </p:spPr>
+        <p:txBody>
+          <a:bodyPr wrap="square" rtlCol="0">
+            <a:spAutoFit/>
+          </a:bodyPr>
+          <a:lstStyle/>
+          <a:p>
+            <a:pPr algn="ctr"/>
+            <a:r>
+              <a:rPr lang="en-US" sz="2400" u="sng" dirty="0" err="1">
+                <a:solidFill>
+                  <a:srgbClr val="FF0000"/>
+                </a:solidFill>
+              </a:rPr>
+              <a:t>Visualisations</a:t>
+            </a:r>
+            <a:endParaRPr lang="en-US" sz="2400" u="sng" dirty="0">
+              <a:solidFill>
+                <a:srgbClr val="FF0000"/>
+              </a:solidFill>
+            </a:endParaRPr>
+          </a:p>
+        </p:txBody>
+      </p:sp>
       <p:pic>
         <p:nvPicPr>
-          <p:cNvPr id="14" name="Picture 13">
-            <a:extLst>
-              <a:ext uri="{FF2B5EF4-FFF2-40B4-BE49-F238E27FC236}">
-                <a16:creationId xmlns:a16="http://schemas.microsoft.com/office/drawing/2014/main" id="{87AC675A-77C4-DC4A-A567-7F69E5354C48}"/>
+          <p:cNvPr id="4" name="Picture 3">
+            <a:extLst>
+              <a:ext uri="{FF2B5EF4-FFF2-40B4-BE49-F238E27FC236}">
+                <a16:creationId xmlns:a16="http://schemas.microsoft.com/office/drawing/2014/main" id="{03162670-9379-9D47-8E32-D0AFDF9BB153}"/>
               </a:ext>
             </a:extLst>
           </p:cNvPr>
@@ -3403,8 +3573,8 @@
         </p:blipFill>
         <p:spPr>
           <a:xfrm>
-            <a:off x="3253316" y="2900350"/>
-            <a:ext cx="5588000" cy="3416300"/>
+            <a:off x="3996287" y="329915"/>
+            <a:ext cx="5321300" cy="1524000"/>
           </a:xfrm>
           <a:prstGeom prst="rect">
             <a:avLst/>
@@ -3413,10 +3583,10 @@
       </p:pic>
       <p:pic>
         <p:nvPicPr>
-          <p:cNvPr id="16" name="Picture 15">
-            <a:extLst>
-              <a:ext uri="{FF2B5EF4-FFF2-40B4-BE49-F238E27FC236}">
-                <a16:creationId xmlns:a16="http://schemas.microsoft.com/office/drawing/2014/main" id="{7E6A874C-6F02-3B46-BC31-4DF1E02686DB}"/>
+          <p:cNvPr id="6" name="Picture 5">
+            <a:extLst>
+              <a:ext uri="{FF2B5EF4-FFF2-40B4-BE49-F238E27FC236}">
+                <a16:creationId xmlns:a16="http://schemas.microsoft.com/office/drawing/2014/main" id="{DACF2EC4-9AD6-1649-AFA1-CA2222F5F2FF}"/>
               </a:ext>
             </a:extLst>
           </p:cNvPr>
@@ -3433,170 +3603,14 @@
         </p:blipFill>
         <p:spPr>
           <a:xfrm>
-            <a:off x="160866" y="408517"/>
-            <a:ext cx="3467100" cy="1803400"/>
+            <a:off x="8752370" y="2030070"/>
+            <a:ext cx="3220694" cy="1830710"/>
           </a:xfrm>
           <a:prstGeom prst="rect">
             <a:avLst/>
           </a:prstGeom>
         </p:spPr>
       </p:pic>
-      <p:sp>
-        <p:nvSpPr>
-          <p:cNvPr id="17" name="TextBox 16">
-            <a:extLst>
-              <a:ext uri="{FF2B5EF4-FFF2-40B4-BE49-F238E27FC236}">
-                <a16:creationId xmlns:a16="http://schemas.microsoft.com/office/drawing/2014/main" id="{EC1C0C7E-D95D-684F-B50A-741042F696DE}"/>
-              </a:ext>
-            </a:extLst>
-          </p:cNvPr>
-          <p:cNvSpPr txBox="1"/>
-          <p:nvPr/>
-        </p:nvSpPr>
-        <p:spPr>
-          <a:xfrm>
-            <a:off x="1358900" y="2361168"/>
-            <a:ext cx="901699" cy="369332"/>
-          </a:xfrm>
-          <a:prstGeom prst="rect">
-            <a:avLst/>
-          </a:prstGeom>
-          <a:noFill/>
-        </p:spPr>
-        <p:txBody>
-          <a:bodyPr wrap="square" rtlCol="0">
-            <a:spAutoFit/>
-          </a:bodyPr>
-          <a:lstStyle/>
-          <a:p>
-            <a:r>
-              <a:rPr lang="en-US" dirty="0">
-                <a:solidFill>
-                  <a:srgbClr val="FF0000"/>
-                </a:solidFill>
-              </a:rPr>
-              <a:t>Log in</a:t>
-            </a:r>
-          </a:p>
-        </p:txBody>
-      </p:sp>
-      <p:sp>
-        <p:nvSpPr>
-          <p:cNvPr id="18" name="TextBox 17">
-            <a:extLst>
-              <a:ext uri="{FF2B5EF4-FFF2-40B4-BE49-F238E27FC236}">
-                <a16:creationId xmlns:a16="http://schemas.microsoft.com/office/drawing/2014/main" id="{00038A09-1FD1-2943-A69E-6DBF73814C7A}"/>
-              </a:ext>
-            </a:extLst>
-          </p:cNvPr>
-          <p:cNvSpPr txBox="1"/>
-          <p:nvPr/>
-        </p:nvSpPr>
-        <p:spPr>
-          <a:xfrm>
-            <a:off x="5461001" y="2396583"/>
-            <a:ext cx="901699" cy="369332"/>
-          </a:xfrm>
-          <a:prstGeom prst="rect">
-            <a:avLst/>
-          </a:prstGeom>
-          <a:noFill/>
-        </p:spPr>
-        <p:txBody>
-          <a:bodyPr wrap="square" rtlCol="0">
-            <a:spAutoFit/>
-          </a:bodyPr>
-          <a:lstStyle/>
-          <a:p>
-            <a:r>
-              <a:rPr lang="en-US" dirty="0">
-                <a:solidFill>
-                  <a:srgbClr val="FF0000"/>
-                </a:solidFill>
-              </a:rPr>
-              <a:t>Upload</a:t>
-            </a:r>
-          </a:p>
-        </p:txBody>
-      </p:sp>
-      <p:sp>
-        <p:nvSpPr>
-          <p:cNvPr id="19" name="TextBox 18">
-            <a:extLst>
-              <a:ext uri="{FF2B5EF4-FFF2-40B4-BE49-F238E27FC236}">
-                <a16:creationId xmlns:a16="http://schemas.microsoft.com/office/drawing/2014/main" id="{0EBCBC9B-71D4-FB4A-8F75-A03FCF15789F}"/>
-              </a:ext>
-            </a:extLst>
-          </p:cNvPr>
-          <p:cNvSpPr txBox="1"/>
-          <p:nvPr/>
-        </p:nvSpPr>
-        <p:spPr>
-          <a:xfrm>
-            <a:off x="9834033" y="2396583"/>
-            <a:ext cx="901699" cy="369332"/>
-          </a:xfrm>
-          <a:prstGeom prst="rect">
-            <a:avLst/>
-          </a:prstGeom>
-          <a:noFill/>
-        </p:spPr>
-        <p:txBody>
-          <a:bodyPr wrap="square" rtlCol="0">
-            <a:spAutoFit/>
-          </a:bodyPr>
-          <a:lstStyle/>
-          <a:p>
-            <a:r>
-              <a:rPr lang="en-US" dirty="0">
-                <a:solidFill>
-                  <a:srgbClr val="FF0000"/>
-                </a:solidFill>
-              </a:rPr>
-              <a:t>Share</a:t>
-            </a:r>
-          </a:p>
-        </p:txBody>
-      </p:sp>
-      <p:sp>
-        <p:nvSpPr>
-          <p:cNvPr id="20" name="TextBox 19">
-            <a:extLst>
-              <a:ext uri="{FF2B5EF4-FFF2-40B4-BE49-F238E27FC236}">
-                <a16:creationId xmlns:a16="http://schemas.microsoft.com/office/drawing/2014/main" id="{9BB018BF-8951-9840-B84E-9D3B642F4BDC}"/>
-              </a:ext>
-            </a:extLst>
-          </p:cNvPr>
-          <p:cNvSpPr txBox="1"/>
-          <p:nvPr/>
-        </p:nvSpPr>
-        <p:spPr>
-          <a:xfrm>
-            <a:off x="5537201" y="6131984"/>
-            <a:ext cx="1028699" cy="369332"/>
-          </a:xfrm>
-          <a:prstGeom prst="rect">
-            <a:avLst/>
-          </a:prstGeom>
-          <a:noFill/>
-        </p:spPr>
-        <p:txBody>
-          <a:bodyPr wrap="square" rtlCol="0">
-            <a:spAutoFit/>
-          </a:bodyPr>
-          <a:lstStyle/>
-          <a:p>
-            <a:r>
-              <a:rPr lang="en-US" dirty="0">
-                <a:solidFill>
-                  <a:srgbClr val="FF0000"/>
-                </a:solidFill>
-              </a:rPr>
-              <a:t>Visualize</a:t>
-            </a:r>
-          </a:p>
-        </p:txBody>
-      </p:sp>
     </p:spTree>
     <p:extLst>
       <p:ext uri="{BB962C8B-B14F-4D97-AF65-F5344CB8AC3E}">
